--- a/Theory Class-Notes/Complete Syllabus and Notes/PPT/Module-2 Inheritance.pptx
+++ b/Theory Class-Notes/Complete Syllabus and Notes/PPT/Module-2 Inheritance.pptx
@@ -255,7 +255,7 @@
           <a:p>
             <a:fld id="{4C842A85-C2C7-43CA-B2C9-B6DE744799DC}" type="datetimeFigureOut">
               <a:rPr lang="en-IN" smtClean="0"/>
-              <a:t>11-09-2024</a:t>
+              <a:t>11-10-2024</a:t>
             </a:fld>
             <a:endParaRPr lang="en-IN"/>
           </a:p>
@@ -747,14 +747,22 @@
             <p:ph type="dt" sz="half" idx="10"/>
           </p:nvPr>
         </p:nvSpPr>
-        <p:spPr/>
+        <p:spPr>
+          <a:xfrm>
+            <a:off x="838200" y="6356350"/>
+            <a:ext cx="2743200" cy="365125"/>
+          </a:xfrm>
+          <a:prstGeom prst="rect">
+            <a:avLst/>
+          </a:prstGeom>
+        </p:spPr>
         <p:txBody>
           <a:bodyPr/>
           <a:lstStyle/>
           <a:p>
             <a:fld id="{C9ABAD96-8FBF-4EF9-8FD8-E285C4552F98}" type="datetimeFigureOut">
               <a:rPr lang="en-US" smtClean="0"/>
-              <a:t>9/11/2024</a:t>
+              <a:t>10/11/2024</a:t>
             </a:fld>
             <a:endParaRPr lang="en-US"/>
           </a:p>
@@ -945,14 +953,22 @@
             <p:ph type="dt" sz="half" idx="10"/>
           </p:nvPr>
         </p:nvSpPr>
-        <p:spPr/>
+        <p:spPr>
+          <a:xfrm>
+            <a:off x="838200" y="6356350"/>
+            <a:ext cx="2743200" cy="365125"/>
+          </a:xfrm>
+          <a:prstGeom prst="rect">
+            <a:avLst/>
+          </a:prstGeom>
+        </p:spPr>
         <p:txBody>
           <a:bodyPr/>
           <a:lstStyle/>
           <a:p>
             <a:fld id="{C9ABAD96-8FBF-4EF9-8FD8-E285C4552F98}" type="datetimeFigureOut">
               <a:rPr lang="en-US" smtClean="0"/>
-              <a:t>9/11/2024</a:t>
+              <a:t>10/11/2024</a:t>
             </a:fld>
             <a:endParaRPr lang="en-US"/>
           </a:p>
@@ -1153,14 +1169,22 @@
             <p:ph type="dt" sz="half" idx="10"/>
           </p:nvPr>
         </p:nvSpPr>
-        <p:spPr/>
+        <p:spPr>
+          <a:xfrm>
+            <a:off x="838200" y="6356350"/>
+            <a:ext cx="2743200" cy="365125"/>
+          </a:xfrm>
+          <a:prstGeom prst="rect">
+            <a:avLst/>
+          </a:prstGeom>
+        </p:spPr>
         <p:txBody>
           <a:bodyPr/>
           <a:lstStyle/>
           <a:p>
             <a:fld id="{C9ABAD96-8FBF-4EF9-8FD8-E285C4552F98}" type="datetimeFigureOut">
               <a:rPr lang="en-US" smtClean="0"/>
-              <a:t>9/11/2024</a:t>
+              <a:t>10/11/2024</a:t>
             </a:fld>
             <a:endParaRPr lang="en-US"/>
           </a:p>
@@ -1351,14 +1375,22 @@
             <p:ph type="dt" sz="half" idx="10"/>
           </p:nvPr>
         </p:nvSpPr>
-        <p:spPr/>
+        <p:spPr>
+          <a:xfrm>
+            <a:off x="838200" y="6356350"/>
+            <a:ext cx="2743200" cy="365125"/>
+          </a:xfrm>
+          <a:prstGeom prst="rect">
+            <a:avLst/>
+          </a:prstGeom>
+        </p:spPr>
         <p:txBody>
           <a:bodyPr/>
           <a:lstStyle/>
           <a:p>
             <a:fld id="{C9ABAD96-8FBF-4EF9-8FD8-E285C4552F98}" type="datetimeFigureOut">
               <a:rPr lang="en-US" smtClean="0"/>
-              <a:t>9/11/2024</a:t>
+              <a:t>10/11/2024</a:t>
             </a:fld>
             <a:endParaRPr lang="en-US"/>
           </a:p>
@@ -1626,14 +1658,22 @@
             <p:ph type="dt" sz="half" idx="10"/>
           </p:nvPr>
         </p:nvSpPr>
-        <p:spPr/>
+        <p:spPr>
+          <a:xfrm>
+            <a:off x="838200" y="6356350"/>
+            <a:ext cx="2743200" cy="365125"/>
+          </a:xfrm>
+          <a:prstGeom prst="rect">
+            <a:avLst/>
+          </a:prstGeom>
+        </p:spPr>
         <p:txBody>
           <a:bodyPr/>
           <a:lstStyle/>
           <a:p>
             <a:fld id="{C9ABAD96-8FBF-4EF9-8FD8-E285C4552F98}" type="datetimeFigureOut">
               <a:rPr lang="en-US" smtClean="0"/>
-              <a:t>9/11/2024</a:t>
+              <a:t>10/11/2024</a:t>
             </a:fld>
             <a:endParaRPr lang="en-US"/>
           </a:p>
@@ -1891,14 +1931,22 @@
             <p:ph type="dt" sz="half" idx="10"/>
           </p:nvPr>
         </p:nvSpPr>
-        <p:spPr/>
+        <p:spPr>
+          <a:xfrm>
+            <a:off x="838200" y="6356350"/>
+            <a:ext cx="2743200" cy="365125"/>
+          </a:xfrm>
+          <a:prstGeom prst="rect">
+            <a:avLst/>
+          </a:prstGeom>
+        </p:spPr>
         <p:txBody>
           <a:bodyPr/>
           <a:lstStyle/>
           <a:p>
             <a:fld id="{C9ABAD96-8FBF-4EF9-8FD8-E285C4552F98}" type="datetimeFigureOut">
               <a:rPr lang="en-US" smtClean="0"/>
-              <a:t>9/11/2024</a:t>
+              <a:t>10/11/2024</a:t>
             </a:fld>
             <a:endParaRPr lang="en-US"/>
           </a:p>
@@ -2303,14 +2351,22 @@
             <p:ph type="dt" sz="half" idx="10"/>
           </p:nvPr>
         </p:nvSpPr>
-        <p:spPr/>
+        <p:spPr>
+          <a:xfrm>
+            <a:off x="838200" y="6356350"/>
+            <a:ext cx="2743200" cy="365125"/>
+          </a:xfrm>
+          <a:prstGeom prst="rect">
+            <a:avLst/>
+          </a:prstGeom>
+        </p:spPr>
         <p:txBody>
           <a:bodyPr/>
           <a:lstStyle/>
           <a:p>
             <a:fld id="{C9ABAD96-8FBF-4EF9-8FD8-E285C4552F98}" type="datetimeFigureOut">
               <a:rPr lang="en-US" smtClean="0"/>
-              <a:t>9/11/2024</a:t>
+              <a:t>10/11/2024</a:t>
             </a:fld>
             <a:endParaRPr lang="en-US"/>
           </a:p>
@@ -2444,14 +2500,22 @@
             <p:ph type="dt" sz="half" idx="10"/>
           </p:nvPr>
         </p:nvSpPr>
-        <p:spPr/>
+        <p:spPr>
+          <a:xfrm>
+            <a:off x="838200" y="6356350"/>
+            <a:ext cx="2743200" cy="365125"/>
+          </a:xfrm>
+          <a:prstGeom prst="rect">
+            <a:avLst/>
+          </a:prstGeom>
+        </p:spPr>
         <p:txBody>
           <a:bodyPr/>
           <a:lstStyle/>
           <a:p>
             <a:fld id="{C9ABAD96-8FBF-4EF9-8FD8-E285C4552F98}" type="datetimeFigureOut">
               <a:rPr lang="en-US" smtClean="0"/>
-              <a:t>9/11/2024</a:t>
+              <a:t>10/11/2024</a:t>
             </a:fld>
             <a:endParaRPr lang="en-US"/>
           </a:p>
@@ -2557,14 +2621,22 @@
             <p:ph type="dt" sz="half" idx="10"/>
           </p:nvPr>
         </p:nvSpPr>
-        <p:spPr/>
+        <p:spPr>
+          <a:xfrm>
+            <a:off x="838200" y="6356350"/>
+            <a:ext cx="2743200" cy="365125"/>
+          </a:xfrm>
+          <a:prstGeom prst="rect">
+            <a:avLst/>
+          </a:prstGeom>
+        </p:spPr>
         <p:txBody>
           <a:bodyPr/>
           <a:lstStyle/>
           <a:p>
             <a:fld id="{C9ABAD96-8FBF-4EF9-8FD8-E285C4552F98}" type="datetimeFigureOut">
               <a:rPr lang="en-US" smtClean="0"/>
-              <a:t>9/11/2024</a:t>
+              <a:t>10/11/2024</a:t>
             </a:fld>
             <a:endParaRPr lang="en-US"/>
           </a:p>
@@ -2868,14 +2940,22 @@
             <p:ph type="dt" sz="half" idx="10"/>
           </p:nvPr>
         </p:nvSpPr>
-        <p:spPr/>
+        <p:spPr>
+          <a:xfrm>
+            <a:off x="838200" y="6356350"/>
+            <a:ext cx="2743200" cy="365125"/>
+          </a:xfrm>
+          <a:prstGeom prst="rect">
+            <a:avLst/>
+          </a:prstGeom>
+        </p:spPr>
         <p:txBody>
           <a:bodyPr/>
           <a:lstStyle/>
           <a:p>
             <a:fld id="{C9ABAD96-8FBF-4EF9-8FD8-E285C4552F98}" type="datetimeFigureOut">
               <a:rPr lang="en-US" smtClean="0"/>
-              <a:t>9/11/2024</a:t>
+              <a:t>10/11/2024</a:t>
             </a:fld>
             <a:endParaRPr lang="en-US"/>
           </a:p>
@@ -3156,14 +3236,22 @@
             <p:ph type="dt" sz="half" idx="10"/>
           </p:nvPr>
         </p:nvSpPr>
-        <p:spPr/>
+        <p:spPr>
+          <a:xfrm>
+            <a:off x="838200" y="6356350"/>
+            <a:ext cx="2743200" cy="365125"/>
+          </a:xfrm>
+          <a:prstGeom prst="rect">
+            <a:avLst/>
+          </a:prstGeom>
+        </p:spPr>
         <p:txBody>
           <a:bodyPr/>
           <a:lstStyle/>
           <a:p>
             <a:fld id="{C9ABAD96-8FBF-4EF9-8FD8-E285C4552F98}" type="datetimeFigureOut">
               <a:rPr lang="en-US" smtClean="0"/>
-              <a:t>9/11/2024</a:t>
+              <a:t>10/11/2024</a:t>
             </a:fld>
             <a:endParaRPr lang="en-US"/>
           </a:p>
@@ -3365,53 +3453,6 @@
       </p:sp>
       <p:sp>
         <p:nvSpPr>
-          <p:cNvPr id="4" name="Date Placeholder 3">
-            <a:extLst>
-              <a:ext uri="{FF2B5EF4-FFF2-40B4-BE49-F238E27FC236}">
-                <a16:creationId xmlns:a16="http://schemas.microsoft.com/office/drawing/2014/main" id="{A517B827-273D-0C8E-778B-4FB2DCC23CEC}"/>
-              </a:ext>
-            </a:extLst>
-          </p:cNvPr>
-          <p:cNvSpPr>
-            <a:spLocks noGrp="1"/>
-          </p:cNvSpPr>
-          <p:nvPr>
-            <p:ph type="dt" sz="half" idx="2"/>
-          </p:nvPr>
-        </p:nvSpPr>
-        <p:spPr>
-          <a:xfrm>
-            <a:off x="838200" y="6356350"/>
-            <a:ext cx="2743200" cy="365125"/>
-          </a:xfrm>
-          <a:prstGeom prst="rect">
-            <a:avLst/>
-          </a:prstGeom>
-        </p:spPr>
-        <p:txBody>
-          <a:bodyPr vert="horz" lIns="91440" tIns="45720" rIns="91440" bIns="45720" rtlCol="0" anchor="ctr"/>
-          <a:lstStyle>
-            <a:lvl1pPr algn="l">
-              <a:defRPr sz="1200">
-                <a:solidFill>
-                  <a:schemeClr val="tx1">
-                    <a:tint val="75000"/>
-                  </a:schemeClr>
-                </a:solidFill>
-              </a:defRPr>
-            </a:lvl1pPr>
-          </a:lstStyle>
-          <a:p>
-            <a:fld id="{C9ABAD96-8FBF-4EF9-8FD8-E285C4552F98}" type="datetimeFigureOut">
-              <a:rPr lang="en-US" smtClean="0"/>
-              <a:t>9/11/2024</a:t>
-            </a:fld>
-            <a:endParaRPr lang="en-US"/>
-          </a:p>
-        </p:txBody>
-      </p:sp>
-      <p:sp>
-        <p:nvSpPr>
           <p:cNvPr id="5" name="Footer Placeholder 4">
             <a:extLst>
               <a:ext uri="{FF2B5EF4-FFF2-40B4-BE49-F238E27FC236}">
@@ -3500,6 +3541,124 @@
           </a:p>
         </p:txBody>
       </p:sp>
+      <p:grpSp>
+        <p:nvGrpSpPr>
+          <p:cNvPr id="7" name="Group 6">
+            <a:extLst>
+              <a:ext uri="{FF2B5EF4-FFF2-40B4-BE49-F238E27FC236}">
+                <a16:creationId xmlns:a16="http://schemas.microsoft.com/office/drawing/2014/main" id="{B14047CE-FF7E-DCA1-1589-01C05BA05C12}"/>
+              </a:ext>
+            </a:extLst>
+          </p:cNvPr>
+          <p:cNvGrpSpPr/>
+          <p:nvPr userDrawn="1"/>
+        </p:nvGrpSpPr>
+        <p:grpSpPr>
+          <a:xfrm>
+            <a:off x="130629" y="6291189"/>
+            <a:ext cx="2743201" cy="495445"/>
+            <a:chOff x="195943" y="6091967"/>
+            <a:chExt cx="3506755" cy="629508"/>
+          </a:xfrm>
+        </p:grpSpPr>
+        <p:sp>
+          <p:nvSpPr>
+            <p:cNvPr id="8" name="Oval 7">
+              <a:extLst>
+                <a:ext uri="{FF2B5EF4-FFF2-40B4-BE49-F238E27FC236}">
+                  <a16:creationId xmlns:a16="http://schemas.microsoft.com/office/drawing/2014/main" id="{9D03B8C8-89EE-A418-A711-864633A59518}"/>
+                </a:ext>
+              </a:extLst>
+            </p:cNvPr>
+            <p:cNvSpPr/>
+            <p:nvPr userDrawn="1"/>
+          </p:nvSpPr>
+          <p:spPr>
+            <a:xfrm>
+              <a:off x="195943" y="6091967"/>
+              <a:ext cx="642257" cy="629508"/>
+            </a:xfrm>
+            <a:prstGeom prst="ellipse">
+              <a:avLst/>
+            </a:prstGeom>
+            <a:blipFill dpi="0" rotWithShape="1">
+              <a:blip r:embed="rId13">
+                <a:extLst>
+                  <a:ext uri="{28A0092B-C50C-407E-A947-70E740481C1C}">
+                    <a14:useLocalDpi xmlns:a14="http://schemas.microsoft.com/office/drawing/2010/main" val="0"/>
+                  </a:ext>
+                </a:extLst>
+              </a:blip>
+              <a:srcRect/>
+              <a:stretch>
+                <a:fillRect/>
+              </a:stretch>
+            </a:blipFill>
+            <a:ln>
+              <a:noFill/>
+            </a:ln>
+          </p:spPr>
+          <p:style>
+            <a:lnRef idx="2">
+              <a:schemeClr val="accent1">
+                <a:shade val="15000"/>
+              </a:schemeClr>
+            </a:lnRef>
+            <a:fillRef idx="1">
+              <a:schemeClr val="accent1"/>
+            </a:fillRef>
+            <a:effectRef idx="0">
+              <a:schemeClr val="accent1"/>
+            </a:effectRef>
+            <a:fontRef idx="minor">
+              <a:schemeClr val="lt1"/>
+            </a:fontRef>
+          </p:style>
+          <p:txBody>
+            <a:bodyPr rtlCol="0" anchor="ctr"/>
+            <a:lstStyle/>
+            <a:p>
+              <a:pPr algn="ctr"/>
+              <a:endParaRPr lang="en-US"/>
+            </a:p>
+          </p:txBody>
+        </p:sp>
+        <p:sp>
+          <p:nvSpPr>
+            <p:cNvPr id="9" name="TextBox 8">
+              <a:extLst>
+                <a:ext uri="{FF2B5EF4-FFF2-40B4-BE49-F238E27FC236}">
+                  <a16:creationId xmlns:a16="http://schemas.microsoft.com/office/drawing/2014/main" id="{81A67EFF-4B9F-015F-78B1-8946C6E10686}"/>
+                </a:ext>
+              </a:extLst>
+            </p:cNvPr>
+            <p:cNvSpPr txBox="1"/>
+            <p:nvPr userDrawn="1"/>
+          </p:nvSpPr>
+          <p:spPr>
+            <a:xfrm>
+              <a:off x="838200" y="6163561"/>
+              <a:ext cx="2864498" cy="369332"/>
+            </a:xfrm>
+            <a:prstGeom prst="rect">
+              <a:avLst/>
+            </a:prstGeom>
+            <a:noFill/>
+          </p:spPr>
+          <p:txBody>
+            <a:bodyPr wrap="square" rtlCol="0">
+              <a:spAutoFit/>
+            </a:bodyPr>
+            <a:lstStyle/>
+            <a:p>
+              <a:r>
+                <a:rPr lang="en-US" b="1" dirty="0"/>
+                <a:t>PRAMOD NAIK</a:t>
+              </a:r>
+            </a:p>
+          </p:txBody>
+        </p:sp>
+      </p:grpSp>
     </p:spTree>
     <p:extLst>
       <p:ext uri="{BB962C8B-B14F-4D97-AF65-F5344CB8AC3E}">
